--- a/Class/Slides/00_Intro.pptx
+++ b/Class/Slides/00_Intro.pptx
@@ -216,7 +216,7 @@
           <a:p>
             <a:fld id="{66E4D784-BC72-9648-8E1C-5C7E3F07A066}" type="datetimeFigureOut">
               <a:rPr lang="en-US" smtClean="0"/>
-              <a:t>9/30/14</a:t>
+              <a:t>10/10/14</a:t>
             </a:fld>
             <a:endParaRPr lang="en-US"/>
           </a:p>
@@ -382,7 +382,7 @@
             <a:fld id="{2DE8C108-AB7E-41F9-BE29-EE918610279B}" type="datetimeFigureOut">
               <a:rPr lang="en-US" smtClean="0"/>
               <a:pPr/>
-              <a:t>9/30/14</a:t>
+              <a:t>10/10/14</a:t>
             </a:fld>
             <a:endParaRPr lang="en-US"/>
           </a:p>
@@ -4443,8 +4443,8 @@
         </p:nvSpPr>
         <p:spPr>
           <a:xfrm>
-            <a:off x="1066800" y="2971800"/>
-            <a:ext cx="6934200" cy="3276600"/>
+            <a:off x="685800" y="2971800"/>
+            <a:ext cx="7772400" cy="3276600"/>
           </a:xfrm>
         </p:spPr>
         <p:txBody>
@@ -4455,15 +4455,19 @@
           <a:p>
             <a:pPr algn="l"/>
             <a:r>
-              <a:rPr lang="en-US" dirty="0" smtClean="0"/>
-              <a:t>To do great things you need to things: A plan and not quite enough time</a:t>
+              <a:rPr lang="en-US" dirty="0"/>
+              <a:t>To achieve great things, two things are needed: a plan and not quite enough time</a:t>
+            </a:r>
+            <a:r>
+              <a:rPr lang="en-US" dirty="0" smtClean="0"/>
+              <a:t>.</a:t>
             </a:r>
           </a:p>
           <a:p>
             <a:pPr algn="r"/>
             <a:r>
               <a:rPr lang="en-US" dirty="0" smtClean="0"/>
-              <a:t>--SOMEONE</a:t>
+              <a:t>--Leonard Bernstein</a:t>
             </a:r>
           </a:p>
           <a:p>
@@ -4809,10 +4813,9 @@
               <a:t>class</a:t>
             </a:r>
             <a:r>
-              <a:rPr lang="en-US" smtClean="0"/>
+              <a:rPr lang="en-US" dirty="0" smtClean="0"/>
               <a:t>	</a:t>
             </a:r>
-            <a:endParaRPr lang="en-US" dirty="0" smtClean="0"/>
           </a:p>
           <a:p>
             <a:r>
@@ -4840,12 +4843,6 @@
               <a:t>Quadcopters</a:t>
             </a:r>
             <a:endParaRPr lang="en-US" dirty="0" smtClean="0"/>
-          </a:p>
-          <a:p>
-            <a:pPr marL="457176" lvl="1" indent="0">
-              <a:buNone/>
-            </a:pPr>
-            <a:endParaRPr lang="en-US" dirty="0"/>
           </a:p>
         </p:txBody>
       </p:sp>
@@ -5286,7 +5283,7 @@
           <a:lstStyle/>
           <a:p>
             <a:r>
-              <a:rPr lang="en-US" dirty="0" smtClean="0"/>
+              <a:rPr lang="en-US" smtClean="0"/>
               <a:t>Button/Light Tutorial</a:t>
             </a:r>
             <a:endParaRPr lang="en-US" dirty="0"/>
@@ -5308,9 +5305,46 @@
           <a:bodyPr/>
           <a:lstStyle/>
           <a:p>
-            <a:pPr marL="0" indent="0">
-              <a:buNone/>
-            </a:pPr>
+            <a:r>
+              <a:rPr lang="en-US" dirty="0" smtClean="0"/>
+              <a:t>I’ve built a tutorial for the Eagle PCB tools</a:t>
+            </a:r>
+          </a:p>
+          <a:p>
+            <a:pPr lvl="1"/>
+            <a:r>
+              <a:rPr lang="en-US" dirty="0">
+                <a:hlinkClick r:id="rId2"/>
+              </a:rPr>
+              <a:t>http://goo.gl/</a:t>
+            </a:r>
+            <a:r>
+              <a:rPr lang="en-US" dirty="0" smtClean="0">
+                <a:hlinkClick r:id="rId2"/>
+              </a:rPr>
+              <a:t>UK8hmh</a:t>
+            </a:r>
+            <a:endParaRPr lang="en-US" dirty="0" smtClean="0"/>
+          </a:p>
+          <a:p>
+            <a:pPr lvl="1"/>
+            <a:r>
+              <a:rPr lang="en-US" dirty="0" smtClean="0"/>
+              <a:t>The first half is about bread boards.</a:t>
+            </a:r>
+          </a:p>
+          <a:p>
+            <a:pPr lvl="1"/>
+            <a:r>
+              <a:rPr lang="en-US" dirty="0" smtClean="0"/>
+              <a:t>The second half is about using </a:t>
+            </a:r>
+            <a:r>
+              <a:rPr lang="en-US" smtClean="0"/>
+              <a:t>Eagle.</a:t>
+            </a:r>
+          </a:p>
+          <a:p>
             <a:endParaRPr lang="en-US" dirty="0"/>
           </a:p>
         </p:txBody>
@@ -5788,7 +5822,7 @@
         </p:spPr>
         <p:txBody>
           <a:bodyPr>
-            <a:normAutofit fontScale="85000" lnSpcReduction="20000"/>
+            <a:normAutofit fontScale="92500" lnSpcReduction="10000"/>
           </a:bodyPr>
           <a:lstStyle/>
           <a:p>
@@ -5813,7 +5847,7 @@
             <a:pPr lvl="1"/>
             <a:r>
               <a:rPr lang="en-US" dirty="0" smtClean="0"/>
-              <a:t>Mostly from “scratch”</a:t>
+              <a:t>Mostly “from scratch”</a:t>
             </a:r>
           </a:p>
           <a:p>
@@ -5849,27 +5883,6 @@
             <a:r>
               <a:rPr lang="en-US" dirty="0" smtClean="0"/>
               <a:t>-related technologies</a:t>
-            </a:r>
-          </a:p>
-          <a:p>
-            <a:pPr lvl="2"/>
-            <a:r>
-              <a:rPr lang="en-US" dirty="0" smtClean="0"/>
-              <a:t>Motors</a:t>
-            </a:r>
-          </a:p>
-          <a:p>
-            <a:pPr lvl="2"/>
-            <a:r>
-              <a:rPr lang="en-US" dirty="0" smtClean="0"/>
-              <a:t>Control theory</a:t>
-            </a:r>
-          </a:p>
-          <a:p>
-            <a:pPr lvl="2"/>
-            <a:r>
-              <a:rPr lang="en-US" dirty="0" smtClean="0"/>
-              <a:t>Remote controls</a:t>
             </a:r>
           </a:p>
         </p:txBody>
@@ -5908,6 +5921,13 @@
   <p:clrMapOvr>
     <a:masterClrMapping/>
   </p:clrMapOvr>
+  <p:timing>
+    <p:tnLst>
+      <p:par>
+        <p:cTn xmlns:p14="http://schemas.microsoft.com/office/powerpoint/2010/main" id="1" dur="indefinite" restart="never" nodeType="tmRoot"/>
+      </p:par>
+    </p:tnLst>
+  </p:timing>
 </p:sld>
 </file>
 
@@ -6205,8 +6225,13 @@
             </a:r>
             <a:r>
               <a:rPr lang="en-US" baseline="0" dirty="0" smtClean="0"/>
-              <a:t> help out.</a:t>
-            </a:r>
+              <a:t> help out</a:t>
+            </a:r>
+            <a:r>
+              <a:rPr lang="en-US" dirty="0" smtClean="0"/>
+              <a:t> with actual work.</a:t>
+            </a:r>
+            <a:endParaRPr lang="en-US" baseline="0" dirty="0" smtClean="0"/>
           </a:p>
         </p:txBody>
       </p:sp>
@@ -6220,6 +6245,13 @@
   <p:clrMapOvr>
     <a:masterClrMapping/>
   </p:clrMapOvr>
+  <p:timing>
+    <p:tnLst>
+      <p:par>
+        <p:cTn xmlns:p14="http://schemas.microsoft.com/office/powerpoint/2010/main" id="1" dur="indefinite" restart="never" nodeType="tmRoot"/>
+      </p:par>
+    </p:tnLst>
+  </p:timing>
 </p:sld>
 </file>
 
@@ -6275,7 +6307,9 @@
         </p:nvSpPr>
         <p:spPr/>
         <p:txBody>
-          <a:bodyPr/>
+          <a:bodyPr>
+            <a:normAutofit fontScale="92500" lnSpcReduction="20000"/>
+          </a:bodyPr>
           <a:lstStyle/>
           <a:p>
             <a:r>
@@ -6300,7 +6334,7 @@
             <a:pPr lvl="1"/>
             <a:r>
               <a:rPr lang="en-US" dirty="0" smtClean="0"/>
-              <a:t>Keep a journal of your experiences and what you’ve learned.</a:t>
+              <a:t>Keep a journal of your experiences and what you’ve learned on the wiki.</a:t>
             </a:r>
           </a:p>
           <a:p>
@@ -6312,6 +6346,34 @@
             <a:r>
               <a:rPr lang="en-US" baseline="0" dirty="0" smtClean="0"/>
               <a:t> piece of the project you worked on.</a:t>
+            </a:r>
+          </a:p>
+          <a:p>
+            <a:pPr lvl="0"/>
+            <a:r>
+              <a:rPr lang="en-US" dirty="0" smtClean="0"/>
+              <a:t>I’ll be out of town quite a bit</a:t>
+            </a:r>
+          </a:p>
+          <a:p>
+            <a:pPr lvl="1"/>
+            <a:r>
+              <a:rPr lang="en-US" dirty="0" smtClean="0"/>
+              <a:t>Thanks giving week.</a:t>
+            </a:r>
+          </a:p>
+          <a:p>
+            <a:pPr lvl="1"/>
+            <a:r>
+              <a:rPr lang="en-US" dirty="0" smtClean="0"/>
+              <a:t>Last week of classes</a:t>
+            </a:r>
+          </a:p>
+          <a:p>
+            <a:pPr lvl="1"/>
+            <a:r>
+              <a:rPr lang="en-US" dirty="0" smtClean="0"/>
+              <a:t>Finals week.</a:t>
             </a:r>
             <a:endParaRPr lang="en-US" dirty="0"/>
           </a:p>

--- a/Class/Slides/00_Intro.pptx
+++ b/Class/Slides/00_Intro.pptx
@@ -216,7 +216,7 @@
           <a:p>
             <a:fld id="{66E4D784-BC72-9648-8E1C-5C7E3F07A066}" type="datetimeFigureOut">
               <a:rPr lang="en-US" smtClean="0"/>
-              <a:t>10/10/14</a:t>
+              <a:t>10/14/14</a:t>
             </a:fld>
             <a:endParaRPr lang="en-US"/>
           </a:p>
@@ -382,7 +382,7 @@
             <a:fld id="{2DE8C108-AB7E-41F9-BE29-EE918610279B}" type="datetimeFigureOut">
               <a:rPr lang="en-US" smtClean="0"/>
               <a:pPr/>
-              <a:t>10/10/14</a:t>
+              <a:t>10/14/14</a:t>
             </a:fld>
             <a:endParaRPr lang="en-US"/>
           </a:p>
